--- a/Zajecia 4 - Budowanie ankiety/Wording_prezentacja.pptx
+++ b/Zajecia 4 - Budowanie ankiety/Wording_prezentacja.pptx
@@ -203,16 +203,47 @@
 </p:presentation>
 </file>
 
-<file path=ppt/revisionInfo.xml><?xml version="1.0" encoding="utf-8"?>
-<p1510:revInfo xmlns:a="http://schemas.openxmlformats.org/drawingml/2006/main" xmlns:r="http://schemas.openxmlformats.org/officeDocument/2006/relationships" xmlns:p1510="http://schemas.microsoft.com/office/powerpoint/2015/10/main">
-  <p1510:revLst>
-    <p1510:client id="{96053E76-6E89-4B0A-AD10-AA44055A948E}" v="25" dt="2022-11-02T21:14:26.392"/>
-  </p1510:revLst>
-</p1510:revInfo>
-</file>
-
 <file path=ppt/changesInfos/changesInfo1.xml><?xml version="1.0" encoding="utf-8"?>
 <pc:chgInfo xmlns:a="http://schemas.openxmlformats.org/drawingml/2006/main" xmlns:r="http://schemas.openxmlformats.org/officeDocument/2006/relationships" xmlns:ac="http://schemas.microsoft.com/office/drawing/2013/main/command" xmlns:pc="http://schemas.microsoft.com/office/powerpoint/2013/main/command">
+  <pc:docChgLst>
+    <pc:chgData name="Jakub Rybacki" userId="d79c6a91-769a-402e-bf81-d22985e8ba3d" providerId="ADAL" clId="{E3DABE26-2406-4696-A73D-88D3317F97EC}"/>
+    <pc:docChg chg="modSld">
+      <pc:chgData name="Jakub Rybacki" userId="d79c6a91-769a-402e-bf81-d22985e8ba3d" providerId="ADAL" clId="{E3DABE26-2406-4696-A73D-88D3317F97EC}" dt="2023-11-30T15:09:22.774" v="2" actId="20577"/>
+      <pc:docMkLst>
+        <pc:docMk/>
+      </pc:docMkLst>
+      <pc:sldChg chg="modSp mod">
+        <pc:chgData name="Jakub Rybacki" userId="d79c6a91-769a-402e-bf81-d22985e8ba3d" providerId="ADAL" clId="{E3DABE26-2406-4696-A73D-88D3317F97EC}" dt="2023-11-30T15:02:15.648" v="1" actId="20577"/>
+        <pc:sldMkLst>
+          <pc:docMk/>
+          <pc:sldMk cId="4101467677" sldId="274"/>
+        </pc:sldMkLst>
+        <pc:spChg chg="mod">
+          <ac:chgData name="Jakub Rybacki" userId="d79c6a91-769a-402e-bf81-d22985e8ba3d" providerId="ADAL" clId="{E3DABE26-2406-4696-A73D-88D3317F97EC}" dt="2023-11-30T15:02:15.648" v="1" actId="20577"/>
+          <ac:spMkLst>
+            <pc:docMk/>
+            <pc:sldMk cId="4101467677" sldId="274"/>
+            <ac:spMk id="3" creationId="{57DF82F5-3C04-DE22-79D3-CD34D7EEA678}"/>
+          </ac:spMkLst>
+        </pc:spChg>
+      </pc:sldChg>
+      <pc:sldChg chg="modSp mod">
+        <pc:chgData name="Jakub Rybacki" userId="d79c6a91-769a-402e-bf81-d22985e8ba3d" providerId="ADAL" clId="{E3DABE26-2406-4696-A73D-88D3317F97EC}" dt="2023-11-30T15:09:22.774" v="2" actId="20577"/>
+        <pc:sldMkLst>
+          <pc:docMk/>
+          <pc:sldMk cId="2476912002" sldId="276"/>
+        </pc:sldMkLst>
+        <pc:spChg chg="mod">
+          <ac:chgData name="Jakub Rybacki" userId="d79c6a91-769a-402e-bf81-d22985e8ba3d" providerId="ADAL" clId="{E3DABE26-2406-4696-A73D-88D3317F97EC}" dt="2023-11-30T15:09:22.774" v="2" actId="20577"/>
+          <ac:spMkLst>
+            <pc:docMk/>
+            <pc:sldMk cId="2476912002" sldId="276"/>
+            <ac:spMk id="3" creationId="{85A4D68B-5C7D-409C-2377-40EEADF1DE2F}"/>
+          </ac:spMkLst>
+        </pc:spChg>
+      </pc:sldChg>
+    </pc:docChg>
+  </pc:docChgLst>
   <pc:docChgLst>
     <pc:chgData name="Jakub Rybacki" userId="71160f026d85cc38" providerId="LiveId" clId="{024E14E8-622D-4EAE-92D7-F33BDF739415}"/>
     <pc:docChg chg="custSel modSld">
@@ -2280,7 +2311,7 @@
           <a:p>
             <a:fld id="{4D6922BA-3FCF-4F9F-BD21-319720EEDCB3}" type="datetimeFigureOut">
               <a:rPr lang="en-GB" smtClean="0"/>
-              <a:t>03/11/2022</a:t>
+              <a:t>30/11/2023</a:t>
             </a:fld>
             <a:endParaRPr lang="en-GB"/>
           </a:p>
@@ -2531,7 +2562,7 @@
           <a:p>
             <a:fld id="{4D6922BA-3FCF-4F9F-BD21-319720EEDCB3}" type="datetimeFigureOut">
               <a:rPr lang="en-GB" smtClean="0"/>
-              <a:t>03/11/2022</a:t>
+              <a:t>30/11/2023</a:t>
             </a:fld>
             <a:endParaRPr lang="en-GB"/>
           </a:p>
@@ -2845,7 +2876,7 @@
           <a:p>
             <a:fld id="{4D6922BA-3FCF-4F9F-BD21-319720EEDCB3}" type="datetimeFigureOut">
               <a:rPr lang="en-GB" smtClean="0"/>
-              <a:t>03/11/2022</a:t>
+              <a:t>30/11/2023</a:t>
             </a:fld>
             <a:endParaRPr lang="en-GB"/>
           </a:p>
@@ -3186,7 +3217,7 @@
           <a:p>
             <a:fld id="{4D6922BA-3FCF-4F9F-BD21-319720EEDCB3}" type="datetimeFigureOut">
               <a:rPr lang="en-GB" smtClean="0"/>
-              <a:t>03/11/2022</a:t>
+              <a:t>30/11/2023</a:t>
             </a:fld>
             <a:endParaRPr lang="en-GB"/>
           </a:p>
@@ -3500,7 +3531,7 @@
           <a:p>
             <a:fld id="{4D6922BA-3FCF-4F9F-BD21-319720EEDCB3}" type="datetimeFigureOut">
               <a:rPr lang="en-GB" smtClean="0"/>
-              <a:t>03/11/2022</a:t>
+              <a:t>30/11/2023</a:t>
             </a:fld>
             <a:endParaRPr lang="en-GB"/>
           </a:p>
@@ -3893,7 +3924,7 @@
           <a:p>
             <a:fld id="{4D6922BA-3FCF-4F9F-BD21-319720EEDCB3}" type="datetimeFigureOut">
               <a:rPr lang="en-GB" smtClean="0"/>
-              <a:t>03/11/2022</a:t>
+              <a:t>30/11/2023</a:t>
             </a:fld>
             <a:endParaRPr lang="en-GB"/>
           </a:p>
@@ -4063,7 +4094,7 @@
           <a:p>
             <a:fld id="{4D6922BA-3FCF-4F9F-BD21-319720EEDCB3}" type="datetimeFigureOut">
               <a:rPr lang="en-GB" smtClean="0"/>
-              <a:t>03/11/2022</a:t>
+              <a:t>30/11/2023</a:t>
             </a:fld>
             <a:endParaRPr lang="en-GB"/>
           </a:p>
@@ -4243,7 +4274,7 @@
           <a:p>
             <a:fld id="{4D6922BA-3FCF-4F9F-BD21-319720EEDCB3}" type="datetimeFigureOut">
               <a:rPr lang="en-GB" smtClean="0"/>
-              <a:t>03/11/2022</a:t>
+              <a:t>30/11/2023</a:t>
             </a:fld>
             <a:endParaRPr lang="en-GB"/>
           </a:p>
@@ -4419,7 +4450,7 @@
           <a:p>
             <a:fld id="{4D6922BA-3FCF-4F9F-BD21-319720EEDCB3}" type="datetimeFigureOut">
               <a:rPr lang="en-GB" smtClean="0"/>
-              <a:t>03/11/2022</a:t>
+              <a:t>30/11/2023</a:t>
             </a:fld>
             <a:endParaRPr lang="en-GB"/>
           </a:p>
@@ -4666,7 +4697,7 @@
           <a:p>
             <a:fld id="{4D6922BA-3FCF-4F9F-BD21-319720EEDCB3}" type="datetimeFigureOut">
               <a:rPr lang="en-GB" smtClean="0"/>
-              <a:t>03/11/2022</a:t>
+              <a:t>30/11/2023</a:t>
             </a:fld>
             <a:endParaRPr lang="en-GB"/>
           </a:p>
@@ -4898,7 +4929,7 @@
           <a:p>
             <a:fld id="{4D6922BA-3FCF-4F9F-BD21-319720EEDCB3}" type="datetimeFigureOut">
               <a:rPr lang="en-GB" smtClean="0"/>
-              <a:t>03/11/2022</a:t>
+              <a:t>30/11/2023</a:t>
             </a:fld>
             <a:endParaRPr lang="en-GB"/>
           </a:p>
@@ -5272,7 +5303,7 @@
           <a:p>
             <a:fld id="{4D6922BA-3FCF-4F9F-BD21-319720EEDCB3}" type="datetimeFigureOut">
               <a:rPr lang="en-GB" smtClean="0"/>
-              <a:t>03/11/2022</a:t>
+              <a:t>30/11/2023</a:t>
             </a:fld>
             <a:endParaRPr lang="en-GB"/>
           </a:p>
@@ -5395,7 +5426,7 @@
           <a:p>
             <a:fld id="{4D6922BA-3FCF-4F9F-BD21-319720EEDCB3}" type="datetimeFigureOut">
               <a:rPr lang="en-GB" smtClean="0"/>
-              <a:t>03/11/2022</a:t>
+              <a:t>30/11/2023</a:t>
             </a:fld>
             <a:endParaRPr lang="en-GB"/>
           </a:p>
@@ -5490,7 +5521,7 @@
           <a:p>
             <a:fld id="{4D6922BA-3FCF-4F9F-BD21-319720EEDCB3}" type="datetimeFigureOut">
               <a:rPr lang="en-GB" smtClean="0"/>
-              <a:t>03/11/2022</a:t>
+              <a:t>30/11/2023</a:t>
             </a:fld>
             <a:endParaRPr lang="en-GB"/>
           </a:p>
@@ -5745,7 +5776,7 @@
           <a:p>
             <a:fld id="{4D6922BA-3FCF-4F9F-BD21-319720EEDCB3}" type="datetimeFigureOut">
               <a:rPr lang="en-GB" smtClean="0"/>
-              <a:t>03/11/2022</a:t>
+              <a:t>30/11/2023</a:t>
             </a:fld>
             <a:endParaRPr lang="en-GB"/>
           </a:p>
@@ -6008,7 +6039,7 @@
           <a:p>
             <a:fld id="{4D6922BA-3FCF-4F9F-BD21-319720EEDCB3}" type="datetimeFigureOut">
               <a:rPr lang="en-GB" smtClean="0"/>
-              <a:t>03/11/2022</a:t>
+              <a:t>30/11/2023</a:t>
             </a:fld>
             <a:endParaRPr lang="en-GB"/>
           </a:p>
@@ -6751,7 +6782,7 @@
           <a:p>
             <a:fld id="{4D6922BA-3FCF-4F9F-BD21-319720EEDCB3}" type="datetimeFigureOut">
               <a:rPr lang="en-GB" smtClean="0"/>
-              <a:t>03/11/2022</a:t>
+              <a:t>30/11/2023</a:t>
             </a:fld>
             <a:endParaRPr lang="en-GB"/>
           </a:p>
@@ -7522,6 +7553,13 @@
             <a:schemeClr val="lt1"/>
           </a:fontRef>
         </p:style>
+        <p:txBody>
+          <a:bodyPr/>
+          <a:lstStyle/>
+          <a:p>
+            <a:endParaRPr lang="pl-PL"/>
+          </a:p>
+        </p:txBody>
       </p:sp>
       <p:cxnSp>
         <p:nvCxnSpPr>
@@ -7709,6 +7747,13 @@
             <a:schemeClr val="lt1"/>
           </a:fontRef>
         </p:style>
+        <p:txBody>
+          <a:bodyPr/>
+          <a:lstStyle/>
+          <a:p>
+            <a:endParaRPr lang="pl-PL"/>
+          </a:p>
+        </p:txBody>
       </p:sp>
     </p:spTree>
     <p:extLst>
@@ -8133,6 +8178,13 @@
             <a:schemeClr val="lt1"/>
           </a:fontRef>
         </p:style>
+        <p:txBody>
+          <a:bodyPr/>
+          <a:lstStyle/>
+          <a:p>
+            <a:endParaRPr lang="pl-PL"/>
+          </a:p>
+        </p:txBody>
       </p:sp>
       <p:sp>
         <p:nvSpPr>
@@ -8213,6 +8265,13 @@
             <a:schemeClr val="lt1"/>
           </a:fontRef>
         </p:style>
+        <p:txBody>
+          <a:bodyPr/>
+          <a:lstStyle/>
+          <a:p>
+            <a:endParaRPr lang="pl-PL"/>
+          </a:p>
+        </p:txBody>
       </p:sp>
       <p:sp>
         <p:nvSpPr>
@@ -8271,6 +8330,13 @@
             <a:schemeClr val="lt1"/>
           </a:fontRef>
         </p:style>
+        <p:txBody>
+          <a:bodyPr/>
+          <a:lstStyle/>
+          <a:p>
+            <a:endParaRPr lang="pl-PL"/>
+          </a:p>
+        </p:txBody>
       </p:sp>
       <p:sp>
         <p:nvSpPr>
@@ -8352,6 +8418,13 @@
             <a:schemeClr val="lt1"/>
           </a:fontRef>
         </p:style>
+        <p:txBody>
+          <a:bodyPr/>
+          <a:lstStyle/>
+          <a:p>
+            <a:endParaRPr lang="pl-PL"/>
+          </a:p>
+        </p:txBody>
       </p:sp>
       <p:sp>
         <p:nvSpPr>
@@ -8434,6 +8507,13 @@
             <a:schemeClr val="lt1"/>
           </a:fontRef>
         </p:style>
+        <p:txBody>
+          <a:bodyPr/>
+          <a:lstStyle/>
+          <a:p>
+            <a:endParaRPr lang="pl-PL"/>
+          </a:p>
+        </p:txBody>
       </p:sp>
       <p:sp>
         <p:nvSpPr>
@@ -8514,6 +8594,13 @@
             <a:schemeClr val="lt1"/>
           </a:fontRef>
         </p:style>
+        <p:txBody>
+          <a:bodyPr/>
+          <a:lstStyle/>
+          <a:p>
+            <a:endParaRPr lang="pl-PL"/>
+          </a:p>
+        </p:txBody>
       </p:sp>
       <p:sp>
         <p:nvSpPr>
@@ -8572,6 +8659,13 @@
             <a:schemeClr val="lt1"/>
           </a:fontRef>
         </p:style>
+        <p:txBody>
+          <a:bodyPr/>
+          <a:lstStyle/>
+          <a:p>
+            <a:endParaRPr lang="pl-PL"/>
+          </a:p>
+        </p:txBody>
       </p:sp>
     </p:spTree>
     <p:extLst>
@@ -8758,6 +8852,13 @@
             <a:schemeClr val="lt1"/>
           </a:fontRef>
         </p:style>
+        <p:txBody>
+          <a:bodyPr/>
+          <a:lstStyle/>
+          <a:p>
+            <a:endParaRPr lang="pl-PL"/>
+          </a:p>
+        </p:txBody>
       </p:sp>
       <p:sp>
         <p:nvSpPr>
@@ -9142,6 +9243,13 @@
             <a:schemeClr val="lt1"/>
           </a:fontRef>
         </p:style>
+        <p:txBody>
+          <a:bodyPr/>
+          <a:lstStyle/>
+          <a:p>
+            <a:endParaRPr lang="pl-PL"/>
+          </a:p>
+        </p:txBody>
       </p:sp>
     </p:spTree>
     <p:extLst>
@@ -9394,6 +9502,13 @@
             <a:schemeClr val="lt1"/>
           </a:fontRef>
         </p:style>
+        <p:txBody>
+          <a:bodyPr/>
+          <a:lstStyle/>
+          <a:p>
+            <a:endParaRPr lang="pl-PL"/>
+          </a:p>
+        </p:txBody>
       </p:sp>
     </p:spTree>
     <p:extLst>
@@ -9855,6 +9970,13 @@
             <a:schemeClr val="lt1"/>
           </a:fontRef>
         </p:style>
+        <p:txBody>
+          <a:bodyPr/>
+          <a:lstStyle/>
+          <a:p>
+            <a:endParaRPr lang="pl-PL"/>
+          </a:p>
+        </p:txBody>
       </p:sp>
     </p:spTree>
     <p:extLst>
@@ -10729,6 +10851,13 @@
             <a:schemeClr val="lt1"/>
           </a:fontRef>
         </p:style>
+        <p:txBody>
+          <a:bodyPr/>
+          <a:lstStyle/>
+          <a:p>
+            <a:endParaRPr lang="pl-PL"/>
+          </a:p>
+        </p:txBody>
       </p:sp>
     </p:spTree>
     <p:extLst>
@@ -10881,7 +11010,7 @@
           <a:p>
             <a:r>
               <a:rPr lang="pl-PL" dirty="0"/>
-              <a:t>Reklamujemy 4 dniowy dzień pracy.</a:t>
+              <a:t>Reklamujemy 4 dniowy tydzień pracy.</a:t>
             </a:r>
           </a:p>
           <a:p>
@@ -11095,6 +11224,13 @@
             <a:schemeClr val="lt1"/>
           </a:fontRef>
         </p:style>
+        <p:txBody>
+          <a:bodyPr/>
+          <a:lstStyle/>
+          <a:p>
+            <a:endParaRPr lang="pl-PL"/>
+          </a:p>
+        </p:txBody>
       </p:sp>
       <p:sp>
         <p:nvSpPr>
@@ -11620,6 +11756,13 @@
             <a:schemeClr val="lt1"/>
           </a:fontRef>
         </p:style>
+        <p:txBody>
+          <a:bodyPr/>
+          <a:lstStyle/>
+          <a:p>
+            <a:endParaRPr lang="pl-PL"/>
+          </a:p>
+        </p:txBody>
       </p:sp>
       <p:sp>
         <p:nvSpPr>
@@ -11700,6 +11843,13 @@
             <a:schemeClr val="lt1"/>
           </a:fontRef>
         </p:style>
+        <p:txBody>
+          <a:bodyPr/>
+          <a:lstStyle/>
+          <a:p>
+            <a:endParaRPr lang="pl-PL"/>
+          </a:p>
+        </p:txBody>
       </p:sp>
       <p:sp>
         <p:nvSpPr>
@@ -11758,6 +11908,13 @@
             <a:schemeClr val="lt1"/>
           </a:fontRef>
         </p:style>
+        <p:txBody>
+          <a:bodyPr/>
+          <a:lstStyle/>
+          <a:p>
+            <a:endParaRPr lang="pl-PL"/>
+          </a:p>
+        </p:txBody>
       </p:sp>
       <p:sp>
         <p:nvSpPr>
@@ -11839,6 +11996,13 @@
             <a:schemeClr val="lt1"/>
           </a:fontRef>
         </p:style>
+        <p:txBody>
+          <a:bodyPr/>
+          <a:lstStyle/>
+          <a:p>
+            <a:endParaRPr lang="pl-PL"/>
+          </a:p>
+        </p:txBody>
       </p:sp>
       <p:sp>
         <p:nvSpPr>
@@ -11921,6 +12085,13 @@
             <a:schemeClr val="lt1"/>
           </a:fontRef>
         </p:style>
+        <p:txBody>
+          <a:bodyPr/>
+          <a:lstStyle/>
+          <a:p>
+            <a:endParaRPr lang="pl-PL"/>
+          </a:p>
+        </p:txBody>
       </p:sp>
       <p:sp>
         <p:nvSpPr>
@@ -12001,6 +12172,13 @@
             <a:schemeClr val="lt1"/>
           </a:fontRef>
         </p:style>
+        <p:txBody>
+          <a:bodyPr/>
+          <a:lstStyle/>
+          <a:p>
+            <a:endParaRPr lang="pl-PL"/>
+          </a:p>
+        </p:txBody>
       </p:sp>
       <p:sp>
         <p:nvSpPr>
@@ -12059,6 +12237,13 @@
             <a:schemeClr val="lt1"/>
           </a:fontRef>
         </p:style>
+        <p:txBody>
+          <a:bodyPr/>
+          <a:lstStyle/>
+          <a:p>
+            <a:endParaRPr lang="pl-PL"/>
+          </a:p>
+        </p:txBody>
       </p:sp>
     </p:spTree>
     <p:extLst>
@@ -12245,6 +12430,13 @@
             <a:schemeClr val="lt1"/>
           </a:fontRef>
         </p:style>
+        <p:txBody>
+          <a:bodyPr/>
+          <a:lstStyle/>
+          <a:p>
+            <a:endParaRPr lang="pl-PL"/>
+          </a:p>
+        </p:txBody>
       </p:sp>
       <p:sp>
         <p:nvSpPr>
@@ -12280,16 +12472,16 @@
               </a:lnSpc>
             </a:pPr>
             <a:r>
+              <a:rPr lang="pl-PL" sz="1500" dirty="0"/>
+              <a:t>Pytanie 1: Czy popierasz możliwość zawierania umów prawnych </a:t>
+            </a:r>
+            <a:r>
               <a:rPr lang="pl-PL" sz="1500"/>
-              <a:t>Pytanie 1: Czy popierasz możliwość zawierania umów prawnych w </a:t>
-            </a:r>
-            <a:r>
-              <a:rPr lang="pl-PL" sz="1500" err="1"/>
-              <a:t>związskach</a:t>
-            </a:r>
-            <a:r>
-              <a:rPr lang="pl-PL" sz="1500"/>
-              <a:t> partnerskich:</a:t>
+              <a:t>w związkach </a:t>
+            </a:r>
+            <a:r>
+              <a:rPr lang="pl-PL" sz="1500" dirty="0"/>
+              <a:t>partnerskich:</a:t>
             </a:r>
           </a:p>
           <a:p>
@@ -12299,11 +12491,11 @@
               </a:lnSpc>
             </a:pPr>
             <a:r>
-              <a:rPr lang="pl-PL" sz="1500" err="1"/>
+              <a:rPr lang="pl-PL" sz="1500" dirty="0" err="1"/>
               <a:t>Favor</a:t>
             </a:r>
             <a:r>
-              <a:rPr lang="pl-PL" sz="1500"/>
+              <a:rPr lang="pl-PL" sz="1500" dirty="0"/>
               <a:t> – 37%</a:t>
             </a:r>
           </a:p>
@@ -12314,11 +12506,11 @@
               </a:lnSpc>
             </a:pPr>
             <a:r>
-              <a:rPr lang="pl-PL" sz="1500" err="1"/>
+              <a:rPr lang="pl-PL" sz="1500" dirty="0" err="1"/>
               <a:t>Oppose</a:t>
             </a:r>
             <a:r>
-              <a:rPr lang="pl-PL" sz="1500"/>
+              <a:rPr lang="pl-PL" sz="1500" dirty="0"/>
               <a:t> – 55%</a:t>
             </a:r>
           </a:p>
@@ -12329,19 +12521,19 @@
               </a:lnSpc>
             </a:pPr>
             <a:r>
-              <a:rPr lang="pl-PL" sz="1500" err="1"/>
+              <a:rPr lang="pl-PL" sz="1500" dirty="0" err="1"/>
               <a:t>Don’t</a:t>
             </a:r>
             <a:r>
-              <a:rPr lang="pl-PL" sz="1500"/>
+              <a:rPr lang="pl-PL" sz="1500" dirty="0"/>
               <a:t> </a:t>
             </a:r>
             <a:r>
-              <a:rPr lang="pl-PL" sz="1500" err="1"/>
+              <a:rPr lang="pl-PL" sz="1500" dirty="0" err="1"/>
               <a:t>know</a:t>
             </a:r>
             <a:r>
-              <a:rPr lang="pl-PL" sz="1500"/>
+              <a:rPr lang="pl-PL" sz="1500" dirty="0"/>
               <a:t> – 8%</a:t>
             </a:r>
           </a:p>
@@ -12351,7 +12543,7 @@
                 <a:spcPct val="90000"/>
               </a:lnSpc>
             </a:pPr>
-            <a:endParaRPr lang="pl-PL" sz="1500"/>
+            <a:endParaRPr lang="pl-PL" sz="1500" dirty="0"/>
           </a:p>
           <a:p>
             <a:pPr>
@@ -12360,7 +12552,7 @@
               </a:lnSpc>
             </a:pPr>
             <a:r>
-              <a:rPr lang="pl-PL" sz="1500"/>
+              <a:rPr lang="pl-PL" sz="1500" dirty="0"/>
               <a:t>Pytanie 2: Czy popierasz małżeństwa homoseksualne:</a:t>
             </a:r>
           </a:p>
@@ -12371,11 +12563,11 @@
               </a:lnSpc>
             </a:pPr>
             <a:r>
-              <a:rPr lang="pl-PL" sz="1500" err="1"/>
+              <a:rPr lang="pl-PL" sz="1500" dirty="0" err="1"/>
               <a:t>Favor</a:t>
             </a:r>
             <a:r>
-              <a:rPr lang="pl-PL" sz="1500"/>
+              <a:rPr lang="pl-PL" sz="1500" dirty="0"/>
               <a:t> – 33%</a:t>
             </a:r>
           </a:p>
@@ -12386,11 +12578,11 @@
               </a:lnSpc>
             </a:pPr>
             <a:r>
-              <a:rPr lang="pl-PL" sz="1500" err="1"/>
+              <a:rPr lang="pl-PL" sz="1500" dirty="0" err="1"/>
               <a:t>Oppose</a:t>
             </a:r>
             <a:r>
-              <a:rPr lang="pl-PL" sz="1500"/>
+              <a:rPr lang="pl-PL" sz="1500" dirty="0"/>
               <a:t> – 61%</a:t>
             </a:r>
           </a:p>
@@ -12401,19 +12593,19 @@
               </a:lnSpc>
             </a:pPr>
             <a:r>
-              <a:rPr lang="pl-PL" sz="1500" err="1"/>
+              <a:rPr lang="pl-PL" sz="1500" dirty="0" err="1"/>
               <a:t>Don’t</a:t>
             </a:r>
             <a:r>
-              <a:rPr lang="pl-PL" sz="1500"/>
+              <a:rPr lang="pl-PL" sz="1500" dirty="0"/>
               <a:t> </a:t>
             </a:r>
             <a:r>
-              <a:rPr lang="pl-PL" sz="1500" err="1"/>
+              <a:rPr lang="pl-PL" sz="1500" dirty="0" err="1"/>
               <a:t>know</a:t>
             </a:r>
             <a:r>
-              <a:rPr lang="pl-PL" sz="1500"/>
+              <a:rPr lang="pl-PL" sz="1500" dirty="0"/>
               <a:t> – 6%</a:t>
             </a:r>
           </a:p>
@@ -12423,7 +12615,7 @@
                 <a:spcPct val="90000"/>
               </a:lnSpc>
             </a:pPr>
-            <a:endParaRPr lang="pl-PL" sz="1500"/>
+            <a:endParaRPr lang="pl-PL" sz="1500" dirty="0"/>
           </a:p>
           <a:p>
             <a:pPr>
@@ -12432,19 +12624,19 @@
               </a:lnSpc>
             </a:pPr>
             <a:r>
-              <a:rPr lang="pl-PL" sz="1500" err="1"/>
+              <a:rPr lang="pl-PL" sz="1500" dirty="0" err="1"/>
               <a:t>Pew</a:t>
             </a:r>
             <a:r>
-              <a:rPr lang="pl-PL" sz="1500"/>
+              <a:rPr lang="pl-PL" sz="1500" dirty="0"/>
               <a:t> </a:t>
             </a:r>
             <a:r>
-              <a:rPr lang="pl-PL" sz="1500" err="1"/>
+              <a:rPr lang="pl-PL" sz="1500" dirty="0" err="1"/>
               <a:t>Research</a:t>
             </a:r>
             <a:r>
-              <a:rPr lang="pl-PL" sz="1500"/>
+              <a:rPr lang="pl-PL" sz="1500" dirty="0"/>
               <a:t> Center – październik 2003 </a:t>
             </a:r>
           </a:p>
@@ -12454,7 +12646,7 @@
                 <a:spcPct val="90000"/>
               </a:lnSpc>
             </a:pPr>
-            <a:endParaRPr lang="en-GB" sz="1500"/>
+            <a:endParaRPr lang="en-GB" sz="1500" dirty="0"/>
           </a:p>
         </p:txBody>
       </p:sp>
@@ -12643,6 +12835,13 @@
             <a:schemeClr val="lt1"/>
           </a:fontRef>
         </p:style>
+        <p:txBody>
+          <a:bodyPr/>
+          <a:lstStyle/>
+          <a:p>
+            <a:endParaRPr lang="pl-PL"/>
+          </a:p>
+        </p:txBody>
       </p:sp>
       <p:sp>
         <p:nvSpPr>
@@ -13039,6 +13238,13 @@
             <a:schemeClr val="lt1"/>
           </a:fontRef>
         </p:style>
+        <p:txBody>
+          <a:bodyPr/>
+          <a:lstStyle/>
+          <a:p>
+            <a:endParaRPr lang="pl-PL"/>
+          </a:p>
+        </p:txBody>
       </p:sp>
       <p:sp>
         <p:nvSpPr>
@@ -13339,6 +13545,13 @@
             <a:schemeClr val="lt1"/>
           </a:fontRef>
         </p:style>
+        <p:txBody>
+          <a:bodyPr/>
+          <a:lstStyle/>
+          <a:p>
+            <a:endParaRPr lang="pl-PL"/>
+          </a:p>
+        </p:txBody>
       </p:sp>
       <p:sp>
         <p:nvSpPr>
@@ -14051,6 +14264,13 @@
             <a:schemeClr val="lt1"/>
           </a:fontRef>
         </p:style>
+        <p:txBody>
+          <a:bodyPr/>
+          <a:lstStyle/>
+          <a:p>
+            <a:endParaRPr lang="pl-PL"/>
+          </a:p>
+        </p:txBody>
       </p:sp>
       <p:sp>
         <p:nvSpPr>
@@ -14986,6 +15206,13 @@
             <a:schemeClr val="lt1"/>
           </a:fontRef>
         </p:style>
+        <p:txBody>
+          <a:bodyPr/>
+          <a:lstStyle/>
+          <a:p>
+            <a:endParaRPr lang="pl-PL"/>
+          </a:p>
+        </p:txBody>
       </p:sp>
       <p:sp>
         <p:nvSpPr>
@@ -15330,6 +15557,13 @@
             <a:schemeClr val="lt1"/>
           </a:fontRef>
         </p:style>
+        <p:txBody>
+          <a:bodyPr/>
+          <a:lstStyle/>
+          <a:p>
+            <a:endParaRPr lang="pl-PL"/>
+          </a:p>
+        </p:txBody>
       </p:sp>
       <p:sp>
         <p:nvSpPr>
@@ -16260,6 +16494,13 @@
             <a:schemeClr val="lt1"/>
           </a:fontRef>
         </p:style>
+        <p:txBody>
+          <a:bodyPr/>
+          <a:lstStyle/>
+          <a:p>
+            <a:endParaRPr lang="pl-PL"/>
+          </a:p>
+        </p:txBody>
       </p:sp>
       <p:sp>
         <p:nvSpPr>
